--- a/theory_04-fundamentals_of_computer_networks/theory_04-fundamentals_of_computer_networks.pptx
+++ b/theory_04-fundamentals_of_computer_networks/theory_04-fundamentals_of_computer_networks.pptx
@@ -226,7 +226,7 @@
           <a:p>
             <a:fld id="{B6FBD0CA-8F9C-4380-8AFD-600A0D90DFDA}" type="datetimeFigureOut">
               <a:rPr lang="en-GB" smtClean="0"/>
-              <a:t>02/02/2024</a:t>
+              <a:t>11/03/2024</a:t>
             </a:fld>
             <a:endParaRPr lang="en-GB"/>
           </a:p>
@@ -6320,7 +6320,7 @@
                 </a:solidFill>
                 <a:latin typeface="Palatino Linotype" panose="02040502050505030304" pitchFamily="18" charset="0"/>
               </a:rPr>
-              <a:t>Unreliable connectionless data transmission. </a:t>
+              <a:t>Finds the correct routing path, handles congestions and quality of service.</a:t>
             </a:r>
           </a:p>
           <a:p>
@@ -7149,15 +7149,7 @@
             </a:r>
             <a:r>
               <a:rPr lang="it-IT" dirty="0"/>
-              <a:t> model (</a:t>
-            </a:r>
-            <a:r>
-              <a:rPr lang="it-IT" dirty="0" err="1"/>
-              <a:t>revised</a:t>
-            </a:r>
-            <a:r>
-              <a:rPr lang="it-IT" dirty="0"/>
-              <a:t>)</a:t>
+              <a:t> model</a:t>
             </a:r>
             <a:endParaRPr lang="en-GB" dirty="0"/>
           </a:p>
@@ -9784,7 +9776,7 @@
           <a:p>
             <a:r>
               <a:rPr lang="en-GB" sz="2200" dirty="0"/>
-              <a:t>The request-response protocol for fetching pages is a simple text-based protocol that runs over TCP, called </a:t>
+              <a:t>The request-response application protocol for fetching pages is a simple text-based protocol that runs over TCP, called </a:t>
             </a:r>
             <a:r>
               <a:rPr lang="en-GB" sz="2200" b="1" dirty="0" err="1"/>
@@ -10970,148 +10962,6 @@
   <p:clrMapOvr>
     <a:masterClrMapping/>
   </p:clrMapOvr>
-  <p:timing>
-    <p:tnLst>
-      <p:par>
-        <p:cTn id="1" dur="indefinite" restart="never" nodeType="tmRoot">
-          <p:childTnLst>
-            <p:seq concurrent="1" nextAc="seek">
-              <p:cTn id="2" dur="indefinite" nodeType="mainSeq">
-                <p:childTnLst>
-                  <p:par>
-                    <p:cTn id="3" fill="hold">
-                      <p:stCondLst>
-                        <p:cond delay="indefinite"/>
-                      </p:stCondLst>
-                      <p:childTnLst>
-                        <p:par>
-                          <p:cTn id="4" fill="hold">
-                            <p:stCondLst>
-                              <p:cond delay="0"/>
-                            </p:stCondLst>
-                            <p:childTnLst>
-                              <p:par>
-                                <p:cTn id="5" presetID="1" presetClass="entr" presetSubtype="0" fill="hold" nodeType="clickEffect">
-                                  <p:stCondLst>
-                                    <p:cond delay="0"/>
-                                  </p:stCondLst>
-                                  <p:childTnLst>
-                                    <p:set>
-                                      <p:cBhvr>
-                                        <p:cTn id="6" dur="1" fill="hold">
-                                          <p:stCondLst>
-                                            <p:cond delay="0"/>
-                                          </p:stCondLst>
-                                        </p:cTn>
-                                        <p:tgtEl>
-                                          <p:spTgt spid="5">
-                                            <p:txEl>
-                                              <p:pRg st="0" end="0"/>
-                                            </p:txEl>
-                                          </p:spTgt>
-                                        </p:tgtEl>
-                                        <p:attrNameLst>
-                                          <p:attrName>style.visibility</p:attrName>
-                                        </p:attrNameLst>
-                                      </p:cBhvr>
-                                      <p:to>
-                                        <p:strVal val="visible"/>
-                                      </p:to>
-                                    </p:set>
-                                  </p:childTnLst>
-                                </p:cTn>
-                              </p:par>
-                              <p:par>
-                                <p:cTn id="7" presetID="1" presetClass="entr" presetSubtype="0" fill="hold" grpId="0" nodeType="withEffect">
-                                  <p:stCondLst>
-                                    <p:cond delay="0"/>
-                                  </p:stCondLst>
-                                  <p:childTnLst>
-                                    <p:set>
-                                      <p:cBhvr>
-                                        <p:cTn id="8" dur="1" fill="hold">
-                                          <p:stCondLst>
-                                            <p:cond delay="0"/>
-                                          </p:stCondLst>
-                                        </p:cTn>
-                                        <p:tgtEl>
-                                          <p:spTgt spid="5">
-                                            <p:bg/>
-                                          </p:spTgt>
-                                        </p:tgtEl>
-                                        <p:attrNameLst>
-                                          <p:attrName>style.visibility</p:attrName>
-                                        </p:attrNameLst>
-                                      </p:cBhvr>
-                                      <p:to>
-                                        <p:strVal val="visible"/>
-                                      </p:to>
-                                    </p:set>
-                                  </p:childTnLst>
-                                </p:cTn>
-                              </p:par>
-                              <p:par>
-                                <p:cTn id="9" presetID="1" presetClass="entr" presetSubtype="0" fill="hold" grpId="0" nodeType="withEffect">
-                                  <p:stCondLst>
-                                    <p:cond delay="0"/>
-                                  </p:stCondLst>
-                                  <p:childTnLst>
-                                    <p:set>
-                                      <p:cBhvr>
-                                        <p:cTn id="10" dur="1" fill="hold">
-                                          <p:stCondLst>
-                                            <p:cond delay="0"/>
-                                          </p:stCondLst>
-                                        </p:cTn>
-                                        <p:tgtEl>
-                                          <p:spTgt spid="5">
-                                            <p:txEl>
-                                              <p:pRg st="0" end="0"/>
-                                            </p:txEl>
-                                          </p:spTgt>
-                                        </p:tgtEl>
-                                        <p:attrNameLst>
-                                          <p:attrName>style.visibility</p:attrName>
-                                        </p:attrNameLst>
-                                      </p:cBhvr>
-                                      <p:to>
-                                        <p:strVal val="visible"/>
-                                      </p:to>
-                                    </p:set>
-                                  </p:childTnLst>
-                                </p:cTn>
-                              </p:par>
-                            </p:childTnLst>
-                          </p:cTn>
-                        </p:par>
-                      </p:childTnLst>
-                    </p:cTn>
-                  </p:par>
-                </p:childTnLst>
-              </p:cTn>
-              <p:prevCondLst>
-                <p:cond evt="onPrev" delay="0">
-                  <p:tgtEl>
-                    <p:sldTgt/>
-                  </p:tgtEl>
-                </p:cond>
-              </p:prevCondLst>
-              <p:nextCondLst>
-                <p:cond evt="onNext" delay="0">
-                  <p:tgtEl>
-                    <p:sldTgt/>
-                  </p:tgtEl>
-                </p:cond>
-              </p:nextCondLst>
-            </p:seq>
-          </p:childTnLst>
-        </p:cTn>
-      </p:par>
-    </p:tnLst>
-    <p:bldLst>
-      <p:bldP spid="5" grpId="0" build="allAtOnce" animBg="1"/>
-    </p:bldLst>
-  </p:timing>
 </p:sld>
 </file>
 
@@ -11223,7 +11073,7 @@
           <a:p>
             <a:r>
               <a:rPr lang="en-GB" dirty="0"/>
-              <a:t>There are 250 top-level domains, each divided into subdomains according to a </a:t>
+              <a:t>There are top-level domains, each divided into subdomains according to a </a:t>
             </a:r>
             <a:r>
               <a:rPr lang="en-GB" dirty="0" err="1"/>
@@ -12663,379 +12513,6 @@
   <p:clrMapOvr>
     <a:masterClrMapping/>
   </p:clrMapOvr>
-  <p:timing>
-    <p:tnLst>
-      <p:par>
-        <p:cTn id="1" dur="indefinite" restart="never" nodeType="tmRoot">
-          <p:childTnLst>
-            <p:seq concurrent="1" nextAc="seek">
-              <p:cTn id="2" dur="indefinite" nodeType="mainSeq">
-                <p:childTnLst>
-                  <p:par>
-                    <p:cTn id="3" fill="hold">
-                      <p:stCondLst>
-                        <p:cond delay="indefinite"/>
-                      </p:stCondLst>
-                      <p:childTnLst>
-                        <p:par>
-                          <p:cTn id="4" fill="hold">
-                            <p:stCondLst>
-                              <p:cond delay="0"/>
-                            </p:stCondLst>
-                            <p:childTnLst>
-                              <p:par>
-                                <p:cTn id="5" presetID="1" presetClass="entr" presetSubtype="0" fill="hold" nodeType="clickEffect">
-                                  <p:stCondLst>
-                                    <p:cond delay="0"/>
-                                  </p:stCondLst>
-                                  <p:childTnLst>
-                                    <p:set>
-                                      <p:cBhvr>
-                                        <p:cTn id="6" dur="1" fill="hold">
-                                          <p:stCondLst>
-                                            <p:cond delay="0"/>
-                                          </p:stCondLst>
-                                        </p:cTn>
-                                        <p:tgtEl>
-                                          <p:spTgt spid="3">
-                                            <p:txEl>
-                                              <p:pRg st="0" end="0"/>
-                                            </p:txEl>
-                                          </p:spTgt>
-                                        </p:tgtEl>
-                                        <p:attrNameLst>
-                                          <p:attrName>style.visibility</p:attrName>
-                                        </p:attrNameLst>
-                                      </p:cBhvr>
-                                      <p:to>
-                                        <p:strVal val="visible"/>
-                                      </p:to>
-                                    </p:set>
-                                  </p:childTnLst>
-                                </p:cTn>
-                              </p:par>
-                            </p:childTnLst>
-                          </p:cTn>
-                        </p:par>
-                      </p:childTnLst>
-                    </p:cTn>
-                  </p:par>
-                  <p:par>
-                    <p:cTn id="7" fill="hold">
-                      <p:stCondLst>
-                        <p:cond delay="indefinite"/>
-                      </p:stCondLst>
-                      <p:childTnLst>
-                        <p:par>
-                          <p:cTn id="8" fill="hold">
-                            <p:stCondLst>
-                              <p:cond delay="0"/>
-                            </p:stCondLst>
-                            <p:childTnLst>
-                              <p:par>
-                                <p:cTn id="9" presetID="1" presetClass="entr" presetSubtype="0" fill="hold" nodeType="clickEffect">
-                                  <p:stCondLst>
-                                    <p:cond delay="0"/>
-                                  </p:stCondLst>
-                                  <p:childTnLst>
-                                    <p:set>
-                                      <p:cBhvr>
-                                        <p:cTn id="10" dur="1" fill="hold">
-                                          <p:stCondLst>
-                                            <p:cond delay="0"/>
-                                          </p:stCondLst>
-                                        </p:cTn>
-                                        <p:tgtEl>
-                                          <p:spTgt spid="3">
-                                            <p:txEl>
-                                              <p:pRg st="1" end="1"/>
-                                            </p:txEl>
-                                          </p:spTgt>
-                                        </p:tgtEl>
-                                        <p:attrNameLst>
-                                          <p:attrName>style.visibility</p:attrName>
-                                        </p:attrNameLst>
-                                      </p:cBhvr>
-                                      <p:to>
-                                        <p:strVal val="visible"/>
-                                      </p:to>
-                                    </p:set>
-                                  </p:childTnLst>
-                                </p:cTn>
-                              </p:par>
-                            </p:childTnLst>
-                          </p:cTn>
-                        </p:par>
-                      </p:childTnLst>
-                    </p:cTn>
-                  </p:par>
-                  <p:par>
-                    <p:cTn id="11" fill="hold">
-                      <p:stCondLst>
-                        <p:cond delay="indefinite"/>
-                      </p:stCondLst>
-                      <p:childTnLst>
-                        <p:par>
-                          <p:cTn id="12" fill="hold">
-                            <p:stCondLst>
-                              <p:cond delay="0"/>
-                            </p:stCondLst>
-                            <p:childTnLst>
-                              <p:par>
-                                <p:cTn id="13" presetID="1" presetClass="entr" presetSubtype="0" fill="hold" nodeType="clickEffect">
-                                  <p:stCondLst>
-                                    <p:cond delay="0"/>
-                                  </p:stCondLst>
-                                  <p:childTnLst>
-                                    <p:set>
-                                      <p:cBhvr>
-                                        <p:cTn id="14" dur="1" fill="hold">
-                                          <p:stCondLst>
-                                            <p:cond delay="0"/>
-                                          </p:stCondLst>
-                                        </p:cTn>
-                                        <p:tgtEl>
-                                          <p:spTgt spid="3">
-                                            <p:txEl>
-                                              <p:pRg st="2" end="2"/>
-                                            </p:txEl>
-                                          </p:spTgt>
-                                        </p:tgtEl>
-                                        <p:attrNameLst>
-                                          <p:attrName>style.visibility</p:attrName>
-                                        </p:attrNameLst>
-                                      </p:cBhvr>
-                                      <p:to>
-                                        <p:strVal val="visible"/>
-                                      </p:to>
-                                    </p:set>
-                                  </p:childTnLst>
-                                </p:cTn>
-                              </p:par>
-                            </p:childTnLst>
-                          </p:cTn>
-                        </p:par>
-                      </p:childTnLst>
-                    </p:cTn>
-                  </p:par>
-                  <p:par>
-                    <p:cTn id="15" fill="hold">
-                      <p:stCondLst>
-                        <p:cond delay="indefinite"/>
-                      </p:stCondLst>
-                      <p:childTnLst>
-                        <p:par>
-                          <p:cTn id="16" fill="hold">
-                            <p:stCondLst>
-                              <p:cond delay="0"/>
-                            </p:stCondLst>
-                            <p:childTnLst>
-                              <p:par>
-                                <p:cTn id="17" presetID="1" presetClass="entr" presetSubtype="0" fill="hold" nodeType="clickEffect">
-                                  <p:stCondLst>
-                                    <p:cond delay="0"/>
-                                  </p:stCondLst>
-                                  <p:childTnLst>
-                                    <p:set>
-                                      <p:cBhvr>
-                                        <p:cTn id="18" dur="1" fill="hold">
-                                          <p:stCondLst>
-                                            <p:cond delay="0"/>
-                                          </p:stCondLst>
-                                        </p:cTn>
-                                        <p:tgtEl>
-                                          <p:spTgt spid="3">
-                                            <p:txEl>
-                                              <p:pRg st="3" end="3"/>
-                                            </p:txEl>
-                                          </p:spTgt>
-                                        </p:tgtEl>
-                                        <p:attrNameLst>
-                                          <p:attrName>style.visibility</p:attrName>
-                                        </p:attrNameLst>
-                                      </p:cBhvr>
-                                      <p:to>
-                                        <p:strVal val="visible"/>
-                                      </p:to>
-                                    </p:set>
-                                  </p:childTnLst>
-                                </p:cTn>
-                              </p:par>
-                            </p:childTnLst>
-                          </p:cTn>
-                        </p:par>
-                      </p:childTnLst>
-                    </p:cTn>
-                  </p:par>
-                  <p:par>
-                    <p:cTn id="19" fill="hold">
-                      <p:stCondLst>
-                        <p:cond delay="indefinite"/>
-                      </p:stCondLst>
-                      <p:childTnLst>
-                        <p:par>
-                          <p:cTn id="20" fill="hold">
-                            <p:stCondLst>
-                              <p:cond delay="0"/>
-                            </p:stCondLst>
-                            <p:childTnLst>
-                              <p:par>
-                                <p:cTn id="21" presetID="1" presetClass="entr" presetSubtype="0" fill="hold" nodeType="clickEffect">
-                                  <p:stCondLst>
-                                    <p:cond delay="0"/>
-                                  </p:stCondLst>
-                                  <p:childTnLst>
-                                    <p:set>
-                                      <p:cBhvr>
-                                        <p:cTn id="22" dur="1" fill="hold">
-                                          <p:stCondLst>
-                                            <p:cond delay="0"/>
-                                          </p:stCondLst>
-                                        </p:cTn>
-                                        <p:tgtEl>
-                                          <p:spTgt spid="3">
-                                            <p:txEl>
-                                              <p:pRg st="4" end="4"/>
-                                            </p:txEl>
-                                          </p:spTgt>
-                                        </p:tgtEl>
-                                        <p:attrNameLst>
-                                          <p:attrName>style.visibility</p:attrName>
-                                        </p:attrNameLst>
-                                      </p:cBhvr>
-                                      <p:to>
-                                        <p:strVal val="visible"/>
-                                      </p:to>
-                                    </p:set>
-                                  </p:childTnLst>
-                                </p:cTn>
-                              </p:par>
-                            </p:childTnLst>
-                          </p:cTn>
-                        </p:par>
-                      </p:childTnLst>
-                    </p:cTn>
-                  </p:par>
-                  <p:par>
-                    <p:cTn id="23" fill="hold">
-                      <p:stCondLst>
-                        <p:cond delay="indefinite"/>
-                      </p:stCondLst>
-                      <p:childTnLst>
-                        <p:par>
-                          <p:cTn id="24" fill="hold">
-                            <p:stCondLst>
-                              <p:cond delay="0"/>
-                            </p:stCondLst>
-                            <p:childTnLst>
-                              <p:par>
-                                <p:cTn id="25" presetID="1" presetClass="entr" presetSubtype="0" fill="hold" nodeType="clickEffect">
-                                  <p:stCondLst>
-                                    <p:cond delay="0"/>
-                                  </p:stCondLst>
-                                  <p:childTnLst>
-                                    <p:set>
-                                      <p:cBhvr>
-                                        <p:cTn id="26" dur="1" fill="hold">
-                                          <p:stCondLst>
-                                            <p:cond delay="0"/>
-                                          </p:stCondLst>
-                                        </p:cTn>
-                                        <p:tgtEl>
-                                          <p:spTgt spid="3">
-                                            <p:txEl>
-                                              <p:pRg st="5" end="5"/>
-                                            </p:txEl>
-                                          </p:spTgt>
-                                        </p:tgtEl>
-                                        <p:attrNameLst>
-                                          <p:attrName>style.visibility</p:attrName>
-                                        </p:attrNameLst>
-                                      </p:cBhvr>
-                                      <p:to>
-                                        <p:strVal val="visible"/>
-                                      </p:to>
-                                    </p:set>
-                                  </p:childTnLst>
-                                </p:cTn>
-                              </p:par>
-                            </p:childTnLst>
-                          </p:cTn>
-                        </p:par>
-                      </p:childTnLst>
-                    </p:cTn>
-                  </p:par>
-                  <p:par>
-                    <p:cTn id="27" fill="hold">
-                      <p:stCondLst>
-                        <p:cond delay="indefinite"/>
-                      </p:stCondLst>
-                      <p:childTnLst>
-                        <p:par>
-                          <p:cTn id="28" fill="hold">
-                            <p:stCondLst>
-                              <p:cond delay="0"/>
-                            </p:stCondLst>
-                            <p:childTnLst>
-                              <p:par>
-                                <p:cTn id="29" presetID="1" presetClass="entr" presetSubtype="0" fill="hold" nodeType="clickEffect">
-                                  <p:stCondLst>
-                                    <p:cond delay="0"/>
-                                  </p:stCondLst>
-                                  <p:childTnLst>
-                                    <p:set>
-                                      <p:cBhvr>
-                                        <p:cTn id="30" dur="1" fill="hold">
-                                          <p:stCondLst>
-                                            <p:cond delay="0"/>
-                                          </p:stCondLst>
-                                        </p:cTn>
-                                        <p:tgtEl>
-                                          <p:spTgt spid="3">
-                                            <p:txEl>
-                                              <p:pRg st="6" end="6"/>
-                                            </p:txEl>
-                                          </p:spTgt>
-                                        </p:tgtEl>
-                                        <p:attrNameLst>
-                                          <p:attrName>style.visibility</p:attrName>
-                                        </p:attrNameLst>
-                                      </p:cBhvr>
-                                      <p:to>
-                                        <p:strVal val="visible"/>
-                                      </p:to>
-                                    </p:set>
-                                  </p:childTnLst>
-                                </p:cTn>
-                              </p:par>
-                            </p:childTnLst>
-                          </p:cTn>
-                        </p:par>
-                      </p:childTnLst>
-                    </p:cTn>
-                  </p:par>
-                </p:childTnLst>
-              </p:cTn>
-              <p:prevCondLst>
-                <p:cond evt="onPrev" delay="0">
-                  <p:tgtEl>
-                    <p:sldTgt/>
-                  </p:tgtEl>
-                </p:cond>
-              </p:prevCondLst>
-              <p:nextCondLst>
-                <p:cond evt="onNext" delay="0">
-                  <p:tgtEl>
-                    <p:sldTgt/>
-                  </p:tgtEl>
-                </p:cond>
-              </p:nextCondLst>
-            </p:seq>
-          </p:childTnLst>
-        </p:cTn>
-      </p:par>
-    </p:tnLst>
-  </p:timing>
 </p:sld>
 </file>
 
